--- a/powerpoints/09-web-apps-and-build-with-thimble.pptx
+++ b/powerpoints/09-web-apps-and-build-with-thimble.pptx
@@ -5,7 +5,7 @@
     <p:sldMasterId id="2147483648" r:id="rId1"/>
   </p:sldMasterIdLst>
   <p:notesMasterIdLst>
-    <p:NotesMasterId r:id="rId9"/>
+    <p:NotesMasterId r:id="rId10"/>
   </p:notesMasterIdLst>
   <p:sldIdLst>
     <p:sldId id="256" r:id="rId2"/>
@@ -15,6 +15,7 @@
     <p:sldId id="260" r:id="rId6"/>
     <p:sldId id="261" r:id="rId7"/>
     <p:sldId id="262" r:id="rId8"/>
+    <p:sldId id="263" r:id="rId9"/>
   </p:sldIdLst>
   <p:sldSz cx="9144000" cy="6858000" type="screen4x3"/>
   <p:notesSz cx="6858000" cy="9144000"/>
@@ -6272,15 +6273,47 @@
             </a:pPr>
             <a:r>
               <a:rPr/>
-              <a:t>web</a:t>
-            </a:r>
-            <a:r>
-              <a:rPr/>
-              <a:t> </a:t>
-            </a:r>
-            <a:r>
-              <a:rPr/>
-              <a:t>apps</a:t>
+              <a:t>Web</a:t>
+            </a:r>
+            <a:r>
+              <a:rPr/>
+              <a:t> </a:t>
+            </a:r>
+            <a:r>
+              <a:rPr/>
+              <a:t>Apps</a:t>
+            </a:r>
+            <a:r>
+              <a:rPr/>
+              <a:t> </a:t>
+            </a:r>
+            <a:r>
+              <a:rPr/>
+              <a:t>and</a:t>
+            </a:r>
+            <a:r>
+              <a:rPr/>
+              <a:t> </a:t>
+            </a:r>
+            <a:r>
+              <a:rPr/>
+              <a:t>Build</a:t>
+            </a:r>
+            <a:r>
+              <a:rPr/>
+              <a:t> </a:t>
+            </a:r>
+            <a:r>
+              <a:rPr/>
+              <a:t>with</a:t>
+            </a:r>
+            <a:r>
+              <a:rPr/>
+              <a:t> </a:t>
+            </a:r>
+            <a:r>
+              <a:rPr/>
+              <a:t>Thimble</a:t>
             </a:r>
           </a:p>
         </p:txBody>
@@ -7264,6 +7297,84 @@
             <a:r>
               <a:rPr sz="2000"/>
               <a:t>Tip! Facilitator can emphasize that mobile “smart” devices weren’t around 20 years ago– what we can do on the web may change, but where and how we do it might change, too.</a:t>
+            </a:r>
+          </a:p>
+        </p:txBody>
+      </p:sp>
+    </p:spTree>
+  </p:cSld>
+</p:sld>
+</file>
+
+<file path=ppt/slides/slide8.xml><?xml version="1.0" encoding="utf-8"?>
+<p:sld xmlns:a="http://schemas.openxmlformats.org/drawingml/2006/main" xmlns:r="http://schemas.openxmlformats.org/officeDocument/2006/relationships" xmlns:p="http://schemas.openxmlformats.org/presentationml/2006/main">
+  <p:cSld>
+    <p:spTree>
+      <p:nvGrpSpPr>
+        <p:cNvPr id="1" name=""/>
+        <p:cNvGrpSpPr/>
+        <p:nvPr/>
+      </p:nvGrpSpPr>
+      <p:grpSpPr>
+        <a:xfrm>
+          <a:off x="0" y="0"/>
+          <a:ext cx="0" cy="0"/>
+          <a:chOff x="0" y="0"/>
+          <a:chExt cx="0" cy="0"/>
+        </a:xfrm>
+      </p:grpSpPr>
+      <p:sp>
+        <p:nvSpPr>
+          <p:cNvPr id="2" name="Title 1"/>
+          <p:cNvSpPr>
+            <a:spLocks noGrp="1"/>
+          </p:cNvSpPr>
+          <p:nvPr>
+            <p:ph type="title"/>
+          </p:nvPr>
+        </p:nvSpPr>
+        <p:spPr/>
+        <p:txBody>
+          <a:bodyPr/>
+          <a:lstStyle/>
+          <a:p>
+            <a:pPr lvl="0" marL="0" indent="0">
+              <a:buNone/>
+            </a:pPr>
+            <a:r>
+              <a:rPr/>
+              <a:t>mozilla</a:t>
+            </a:r>
+          </a:p>
+        </p:txBody>
+      </p:sp>
+      <p:sp>
+        <p:nvSpPr>
+          <p:cNvPr id="3" name="Content Placeholder 2"/>
+          <p:cNvSpPr>
+            <a:spLocks noGrp="1"/>
+          </p:cNvSpPr>
+          <p:nvPr>
+            <p:ph idx="1"/>
+          </p:nvPr>
+        </p:nvSpPr>
+        <p:spPr/>
+        <p:txBody>
+          <a:bodyPr/>
+          <a:lstStyle/>
+          <a:p>
+            <a:pPr lvl="0" marL="0" indent="0">
+              <a:buNone/>
+            </a:pPr>
+            <a:r>
+              <a:rPr/>
+              <a:t>Mozilla is a global non-profit dedicated to putting you in control of your online experience and shaping the future of the web for the public good. Visit us at </a:t>
+            </a:r>
+            <a:r>
+              <a:rPr>
+                <a:hlinkClick r:id="rId2"/>
+              </a:rPr>
+              <a:t>mozilla.org</a:t>
             </a:r>
           </a:p>
         </p:txBody>
